--- a/2_mardi/EPHE certificat analyse de données avancé bayésien.pptx
+++ b/2_mardi/EPHE certificat analyse de données avancé bayésien.pptx
@@ -241,7 +241,7 @@
           <a:p>
             <a:fld id="{13DEF05C-4C82-4749-BE1E-71411ACBC6AE}" type="datetimeFigureOut">
               <a:rPr lang="fr-FR" smtClean="0"/>
-              <a:t>26/03/2024</a:t>
+              <a:t>31/03/2025</a:t>
             </a:fld>
             <a:endParaRPr lang="fr-FR"/>
           </a:p>
@@ -639,7 +639,7 @@
           <a:p>
             <a:fld id="{0A8AB905-7933-4A61-96BB-B4DB8C6F141C}" type="datetime1">
               <a:rPr lang="fr-FR" smtClean="0"/>
-              <a:t>26/03/2024</a:t>
+              <a:t>31/03/2025</a:t>
             </a:fld>
             <a:endParaRPr lang="fr-FR"/>
           </a:p>
@@ -809,7 +809,7 @@
           <a:p>
             <a:fld id="{58D5A1E6-89C7-4BB4-B27D-89BDA0161999}" type="datetime1">
               <a:rPr lang="fr-FR" smtClean="0"/>
-              <a:t>26/03/2024</a:t>
+              <a:t>31/03/2025</a:t>
             </a:fld>
             <a:endParaRPr lang="fr-FR"/>
           </a:p>
@@ -989,7 +989,7 @@
           <a:p>
             <a:fld id="{44290B9A-6E24-4A38-91E5-B306B4C22B54}" type="datetime1">
               <a:rPr lang="fr-FR" smtClean="0"/>
-              <a:t>26/03/2024</a:t>
+              <a:t>31/03/2025</a:t>
             </a:fld>
             <a:endParaRPr lang="fr-FR"/>
           </a:p>
@@ -1197,7 +1197,7 @@
           <a:p>
             <a:fld id="{E597CFE6-086F-4466-B917-61FE807FD400}" type="datetime1">
               <a:rPr lang="fr-FR" smtClean="0"/>
-              <a:t>26/03/2024</a:t>
+              <a:t>31/03/2025</a:t>
             </a:fld>
             <a:endParaRPr lang="fr-FR"/>
           </a:p>
@@ -1454,7 +1454,7 @@
           <a:p>
             <a:fld id="{24D75430-8AF8-4873-AE45-E3DF7E010459}" type="datetime1">
               <a:rPr lang="fr-FR" smtClean="0"/>
-              <a:t>26/03/2024</a:t>
+              <a:t>31/03/2025</a:t>
             </a:fld>
             <a:endParaRPr lang="fr-FR"/>
           </a:p>
@@ -1686,7 +1686,7 @@
           <a:p>
             <a:fld id="{13415DBE-BEC2-4A77-8E9E-9B652885393B}" type="datetime1">
               <a:rPr lang="fr-FR" smtClean="0"/>
-              <a:t>26/03/2024</a:t>
+              <a:t>31/03/2025</a:t>
             </a:fld>
             <a:endParaRPr lang="fr-FR"/>
           </a:p>
@@ -2053,7 +2053,7 @@
           <a:p>
             <a:fld id="{807D7AE6-5E81-4158-8ED5-C0018C810B41}" type="datetime1">
               <a:rPr lang="fr-FR" smtClean="0"/>
-              <a:t>26/03/2024</a:t>
+              <a:t>31/03/2025</a:t>
             </a:fld>
             <a:endParaRPr lang="fr-FR"/>
           </a:p>
@@ -2171,7 +2171,7 @@
           <a:p>
             <a:fld id="{D940ECE3-A10A-43FD-915F-AFC239D005CC}" type="datetime1">
               <a:rPr lang="fr-FR" smtClean="0"/>
-              <a:t>26/03/2024</a:t>
+              <a:t>31/03/2025</a:t>
             </a:fld>
             <a:endParaRPr lang="fr-FR"/>
           </a:p>
@@ -2266,7 +2266,7 @@
           <a:p>
             <a:fld id="{301F6269-7736-4C18-829D-3E1E4B12473A}" type="datetime1">
               <a:rPr lang="fr-FR" smtClean="0"/>
-              <a:t>26/03/2024</a:t>
+              <a:t>31/03/2025</a:t>
             </a:fld>
             <a:endParaRPr lang="fr-FR"/>
           </a:p>
@@ -2543,7 +2543,7 @@
           <a:p>
             <a:fld id="{42BAD2B5-16C3-424F-A9D0-5F545E4549BE}" type="datetime1">
               <a:rPr lang="fr-FR" smtClean="0"/>
-              <a:t>26/03/2024</a:t>
+              <a:t>31/03/2025</a:t>
             </a:fld>
             <a:endParaRPr lang="fr-FR"/>
           </a:p>
@@ -2800,7 +2800,7 @@
           <a:p>
             <a:fld id="{E2E05DAD-40D5-461B-896D-6FFA56F2A2D3}" type="datetime1">
               <a:rPr lang="fr-FR" smtClean="0"/>
-              <a:t>26/03/2024</a:t>
+              <a:t>31/03/2025</a:t>
             </a:fld>
             <a:endParaRPr lang="fr-FR"/>
           </a:p>
@@ -3013,7 +3013,7 @@
           <a:p>
             <a:fld id="{E563F4DC-8D94-4F6C-A93D-7650930DBE07}" type="datetime1">
               <a:rPr lang="fr-FR" smtClean="0"/>
-              <a:t>26/03/2024</a:t>
+              <a:t>31/03/2025</a:t>
             </a:fld>
             <a:endParaRPr lang="fr-FR"/>
           </a:p>
@@ -22236,12 +22236,12 @@
               <a:t> </a:t>
             </a:r>
             <a:r>
-              <a:rPr lang="fr-FR" i="1" dirty="0">
+              <a:rPr lang="fr-FR" b="1" i="1" dirty="0">
                 <a:sym typeface="Wingdings" panose="05000000000000000000" pitchFamily="2" charset="2"/>
               </a:rPr>
               <a:t>une donnée</a:t>
             </a:r>
-            <a:endParaRPr lang="fr-FR" i="1" dirty="0"/>
+            <a:endParaRPr lang="fr-FR" b="1" i="1" dirty="0"/>
           </a:p>
           <a:p>
             <a:r>
@@ -22255,12 +22255,12 @@
               <a:t> </a:t>
             </a:r>
             <a:r>
-              <a:rPr lang="fr-FR" i="1" dirty="0">
+              <a:rPr lang="fr-FR" b="1" i="1" dirty="0">
                 <a:sym typeface="Wingdings" panose="05000000000000000000" pitchFamily="2" charset="2"/>
               </a:rPr>
               <a:t>ce que je cherche</a:t>
             </a:r>
-            <a:endParaRPr lang="fr-FR" i="1" dirty="0"/>
+            <a:endParaRPr lang="fr-FR" b="1" i="1" dirty="0"/>
           </a:p>
           <a:p>
             <a:r>
@@ -22282,12 +22282,12 @@
               <a:t> </a:t>
             </a:r>
             <a:r>
-              <a:rPr lang="fr-FR" i="1" dirty="0">
+              <a:rPr lang="fr-FR" b="1" i="1" dirty="0">
                 <a:sym typeface="Wingdings" panose="05000000000000000000" pitchFamily="2" charset="2"/>
               </a:rPr>
               <a:t>une donnée</a:t>
             </a:r>
-            <a:endParaRPr lang="fr-FR" i="1" dirty="0"/>
+            <a:endParaRPr lang="fr-FR" b="1" i="1" dirty="0"/>
           </a:p>
         </p:txBody>
       </p:sp>
@@ -31170,7 +31170,7 @@
             </a:r>
             <a:r>
               <a:rPr lang="fr-FR" dirty="0"/>
-              <a:t>) : je sais qu’il y a des ours et j’en vois un</a:t>
+              <a:t>) : je vois un ours dans une zone de présence</a:t>
             </a:r>
           </a:p>
         </p:txBody>
